--- a/教材/15章_Terraform実践.pptx
+++ b/教材/15章_Terraform実践.pptx
@@ -4570,7 +4570,7 @@
   <pc:docChgLst>
     <pc:chgData name="尾嵜 成真" userId="dd95f81a979e9056" providerId="LiveId" clId="{1710F09C-98BD-484F-81B9-9BC638223955}"/>
     <pc:docChg chg="undo redo custSel addSld delSld modSld sldOrd">
-      <pc:chgData name="尾嵜 成真" userId="dd95f81a979e9056" providerId="LiveId" clId="{1710F09C-98BD-484F-81B9-9BC638223955}" dt="2023-02-02T13:15:23.785" v="9828" actId="947"/>
+      <pc:chgData name="尾嵜 成真" userId="dd95f81a979e9056" providerId="LiveId" clId="{1710F09C-98BD-484F-81B9-9BC638223955}" dt="2023-02-04T02:35:08.864" v="9855" actId="947"/>
       <pc:docMkLst>
         <pc:docMk/>
       </pc:docMkLst>
@@ -4706,13 +4706,13 @@
         </pc:sldMkLst>
       </pc:sldChg>
       <pc:sldChg chg="delSp modSp add mod">
-        <pc:chgData name="尾嵜 成真" userId="dd95f81a979e9056" providerId="LiveId" clId="{1710F09C-98BD-484F-81B9-9BC638223955}" dt="2023-02-02T13:15:23.785" v="9828" actId="947"/>
+        <pc:chgData name="尾嵜 成真" userId="dd95f81a979e9056" providerId="LiveId" clId="{1710F09C-98BD-484F-81B9-9BC638223955}" dt="2023-02-04T02:20:31.402" v="9829" actId="947"/>
         <pc:sldMkLst>
           <pc:docMk/>
           <pc:sldMk cId="2687885908" sldId="312"/>
         </pc:sldMkLst>
         <pc:spChg chg="mod">
-          <ac:chgData name="尾嵜 成真" userId="dd95f81a979e9056" providerId="LiveId" clId="{1710F09C-98BD-484F-81B9-9BC638223955}" dt="2023-02-02T13:15:23.785" v="9828" actId="947"/>
+          <ac:chgData name="尾嵜 成真" userId="dd95f81a979e9056" providerId="LiveId" clId="{1710F09C-98BD-484F-81B9-9BC638223955}" dt="2023-02-04T02:20:31.402" v="9829" actId="947"/>
           <ac:spMkLst>
             <pc:docMk/>
             <pc:sldMk cId="2687885908" sldId="312"/>
@@ -5210,7 +5210,7 @@
         </pc:sldMkLst>
       </pc:sldChg>
       <pc:sldChg chg="addSp delSp modSp add mod ord">
-        <pc:chgData name="尾嵜 成真" userId="dd95f81a979e9056" providerId="LiveId" clId="{1710F09C-98BD-484F-81B9-9BC638223955}" dt="2023-01-31T07:07:48.584" v="5928" actId="255"/>
+        <pc:chgData name="尾嵜 成真" userId="dd95f81a979e9056" providerId="LiveId" clId="{1710F09C-98BD-484F-81B9-9BC638223955}" dt="2023-02-04T02:28:25.674" v="9839" actId="113"/>
         <pc:sldMkLst>
           <pc:docMk/>
           <pc:sldMk cId="2735048596" sldId="316"/>
@@ -5224,7 +5224,7 @@
           </ac:spMkLst>
         </pc:spChg>
         <pc:spChg chg="mod">
-          <ac:chgData name="尾嵜 成真" userId="dd95f81a979e9056" providerId="LiveId" clId="{1710F09C-98BD-484F-81B9-9BC638223955}" dt="2023-01-31T06:03:11.217" v="4503" actId="20577"/>
+          <ac:chgData name="尾嵜 成真" userId="dd95f81a979e9056" providerId="LiveId" clId="{1710F09C-98BD-484F-81B9-9BC638223955}" dt="2023-02-04T02:28:25.674" v="9839" actId="113"/>
           <ac:spMkLst>
             <pc:docMk/>
             <pc:sldMk cId="2735048596" sldId="316"/>
@@ -5773,13 +5773,13 @@
         </pc:picChg>
       </pc:sldChg>
       <pc:sldChg chg="addSp delSp modSp add mod">
-        <pc:chgData name="尾嵜 成真" userId="dd95f81a979e9056" providerId="LiveId" clId="{1710F09C-98BD-484F-81B9-9BC638223955}" dt="2023-01-31T07:09:52.721" v="5947"/>
+        <pc:chgData name="尾嵜 成真" userId="dd95f81a979e9056" providerId="LiveId" clId="{1710F09C-98BD-484F-81B9-9BC638223955}" dt="2023-02-04T02:31:15.261" v="9848" actId="113"/>
         <pc:sldMkLst>
           <pc:docMk/>
           <pc:sldMk cId="3617036924" sldId="319"/>
         </pc:sldMkLst>
         <pc:spChg chg="mod">
-          <ac:chgData name="尾嵜 成真" userId="dd95f81a979e9056" providerId="LiveId" clId="{1710F09C-98BD-484F-81B9-9BC638223955}" dt="2023-01-31T06:47:58.319" v="5748" actId="6549"/>
+          <ac:chgData name="尾嵜 成真" userId="dd95f81a979e9056" providerId="LiveId" clId="{1710F09C-98BD-484F-81B9-9BC638223955}" dt="2023-02-04T02:31:15.261" v="9848" actId="113"/>
           <ac:spMkLst>
             <pc:docMk/>
             <pc:sldMk cId="3617036924" sldId="319"/>
@@ -8080,13 +8080,13 @@
         </pc:cxnChg>
       </pc:sldChg>
       <pc:sldChg chg="addSp delSp modSp add mod">
-        <pc:chgData name="尾嵜 成真" userId="dd95f81a979e9056" providerId="LiveId" clId="{1710F09C-98BD-484F-81B9-9BC638223955}" dt="2023-01-31T09:37:10.894" v="8014" actId="20577"/>
+        <pc:chgData name="尾嵜 成真" userId="dd95f81a979e9056" providerId="LiveId" clId="{1710F09C-98BD-484F-81B9-9BC638223955}" dt="2023-02-04T02:35:08.864" v="9855" actId="947"/>
         <pc:sldMkLst>
           <pc:docMk/>
           <pc:sldMk cId="126317578" sldId="324"/>
         </pc:sldMkLst>
         <pc:spChg chg="mod">
-          <ac:chgData name="尾嵜 成真" userId="dd95f81a979e9056" providerId="LiveId" clId="{1710F09C-98BD-484F-81B9-9BC638223955}" dt="2023-01-31T09:37:10.894" v="8014" actId="20577"/>
+          <ac:chgData name="尾嵜 成真" userId="dd95f81a979e9056" providerId="LiveId" clId="{1710F09C-98BD-484F-81B9-9BC638223955}" dt="2023-02-04T02:35:08.864" v="9855" actId="947"/>
           <ac:spMkLst>
             <pc:docMk/>
             <pc:sldMk cId="126317578" sldId="324"/>
@@ -9772,7 +9772,7 @@
             <a:fld id="{D4CCFBE2-2B8D-499C-81C9-2CD5B3EB8E93}" type="datetimeFigureOut">
               <a:rPr lang="ko-KR" altLang="en-US" smtClean="0"/>
               <a:pPr/>
-              <a:t>2023-02-02</a:t>
+              <a:t>2023-02-04</a:t>
             </a:fld>
             <a:endParaRPr lang="ko-KR" altLang="en-US"/>
           </a:p>
@@ -9939,7 +9939,7 @@
             <a:fld id="{FB545AC5-813F-4ED1-B011-8EA17CB93331}" type="datetimeFigureOut">
               <a:rPr lang="ko-KR" altLang="en-US" smtClean="0"/>
               <a:pPr/>
-              <a:t>2023-02-02</a:t>
+              <a:t>2023-02-04</a:t>
             </a:fld>
             <a:endParaRPr lang="ko-KR" altLang="en-US"/>
           </a:p>
@@ -10361,7 +10361,7 @@
             <a:fld id="{ED3D6733-6F27-4404-AB51-585418F146E5}" type="datetimeFigureOut">
               <a:rPr lang="ko-KR" altLang="en-US" smtClean="0"/>
               <a:pPr/>
-              <a:t>2023-02-02</a:t>
+              <a:t>2023-02-04</a:t>
             </a:fld>
             <a:endParaRPr lang="ko-KR" altLang="en-US"/>
           </a:p>
@@ -10546,7 +10546,7 @@
             <a:fld id="{ED3D6733-6F27-4404-AB51-585418F146E5}" type="datetimeFigureOut">
               <a:rPr lang="ko-KR" altLang="en-US" smtClean="0"/>
               <a:pPr/>
-              <a:t>2023-02-02</a:t>
+              <a:t>2023-02-04</a:t>
             </a:fld>
             <a:endParaRPr lang="ko-KR" altLang="en-US"/>
           </a:p>
@@ -10684,7 +10684,7 @@
             <a:fld id="{ED3D6733-6F27-4404-AB51-585418F146E5}" type="datetimeFigureOut">
               <a:rPr lang="ko-KR" altLang="en-US" smtClean="0"/>
               <a:pPr/>
-              <a:t>2023-02-02</a:t>
+              <a:t>2023-02-04</a:t>
             </a:fld>
             <a:endParaRPr lang="ko-KR" altLang="en-US"/>
           </a:p>
@@ -10897,7 +10897,7 @@
             <a:fld id="{ED3D6733-6F27-4404-AB51-585418F146E5}" type="datetimeFigureOut">
               <a:rPr lang="ko-KR" altLang="en-US" smtClean="0"/>
               <a:pPr/>
-              <a:t>2023-02-02</a:t>
+              <a:t>2023-02-04</a:t>
             </a:fld>
             <a:endParaRPr lang="ko-KR" altLang="en-US"/>
           </a:p>
@@ -11174,7 +11174,7 @@
             <a:fld id="{ED3D6733-6F27-4404-AB51-585418F146E5}" type="datetimeFigureOut">
               <a:rPr lang="ko-KR" altLang="en-US" smtClean="0"/>
               <a:pPr/>
-              <a:t>2023-02-02</a:t>
+              <a:t>2023-02-04</a:t>
             </a:fld>
             <a:endParaRPr lang="ko-KR" altLang="en-US"/>
           </a:p>
@@ -11497,7 +11497,7 @@
             <a:fld id="{ED3D6733-6F27-4404-AB51-585418F146E5}" type="datetimeFigureOut">
               <a:rPr lang="ko-KR" altLang="en-US" smtClean="0"/>
               <a:pPr/>
-              <a:t>2023-02-02</a:t>
+              <a:t>2023-02-04</a:t>
             </a:fld>
             <a:endParaRPr lang="ko-KR" altLang="en-US"/>
           </a:p>
@@ -11770,7 +11770,7 @@
             <a:fld id="{ED3D6733-6F27-4404-AB51-585418F146E5}" type="datetimeFigureOut">
               <a:rPr lang="ko-KR" altLang="en-US" smtClean="0"/>
               <a:pPr/>
-              <a:t>2023-02-02</a:t>
+              <a:t>2023-02-04</a:t>
             </a:fld>
             <a:endParaRPr lang="ko-KR" altLang="en-US"/>
           </a:p>
@@ -14568,7 +14568,32 @@
                 <a:latin typeface="BIZ UDP明朝 Medium" panose="02020500000000000000" pitchFamily="18" charset="-128"/>
                 <a:ea typeface="BIZ UDP明朝 Medium" panose="02020500000000000000" pitchFamily="18" charset="-128"/>
               </a:rPr>
-              <a:t>　バージョン管理とは、ソースコードやファイルの変更履歴を管理することです。ファイルの変更内容や追加などの情報の履歴を管理することで、以前の修正内容を確認したり、ある時点の内容に戻したりできます。</a:t>
+              <a:t>　バージョン管理とは、</a:t>
+            </a:r>
+            <a:r>
+              <a:rPr lang="ja-JP" altLang="en-US" i="0" u="heavy" dirty="0">
+                <a:solidFill>
+                  <a:schemeClr val="tx1"/>
+                </a:solidFill>
+                <a:uFill>
+                  <a:solidFill>
+                    <a:srgbClr val="F6882E"/>
+                  </a:solidFill>
+                </a:uFill>
+                <a:latin typeface="BIZ UDP明朝 Medium" panose="02020500000000000000" pitchFamily="18" charset="-128"/>
+                <a:ea typeface="BIZ UDP明朝 Medium" panose="02020500000000000000" pitchFamily="18" charset="-128"/>
+              </a:rPr>
+              <a:t>ソースコードやファイルの変更履歴を管理</a:t>
+            </a:r>
+            <a:r>
+              <a:rPr lang="ja-JP" altLang="en-US" i="0" dirty="0">
+                <a:solidFill>
+                  <a:schemeClr val="tx1"/>
+                </a:solidFill>
+                <a:latin typeface="BIZ UDP明朝 Medium" panose="02020500000000000000" pitchFamily="18" charset="-128"/>
+                <a:ea typeface="BIZ UDP明朝 Medium" panose="02020500000000000000" pitchFamily="18" charset="-128"/>
+              </a:rPr>
+              <a:t>することです。ファイルの変更内容や追加などの情報の履歴を管理することで、以前の修正内容を確認したり、ある時点の内容に戻したりできます。</a:t>
             </a:r>
             <a:endParaRPr lang="en-US" altLang="ja-JP" i="0" dirty="0">
               <a:solidFill>
@@ -14783,7 +14808,27 @@
                 <a:latin typeface="BIZ UDP明朝 Medium" panose="02020500000000000000" pitchFamily="18" charset="-128"/>
                 <a:ea typeface="BIZ UDP明朝 Medium" panose="02020500000000000000" pitchFamily="18" charset="-128"/>
               </a:rPr>
-              <a:t>のリポジトリにファイルを配置するには、リポジトリの仕組みを理解する必要があります。</a:t>
+              <a:t>のリポジトリにファイルを配置するには、</a:t>
+            </a:r>
+            <a:r>
+              <a:rPr lang="ja-JP" altLang="en-US" b="1" i="0" dirty="0">
+                <a:solidFill>
+                  <a:srgbClr val="F6882E"/>
+                </a:solidFill>
+                <a:latin typeface="BIZ UDP明朝 Medium" panose="02020500000000000000" pitchFamily="18" charset="-128"/>
+                <a:ea typeface="BIZ UDP明朝 Medium" panose="02020500000000000000" pitchFamily="18" charset="-128"/>
+              </a:rPr>
+              <a:t>リポジトリ</a:t>
+            </a:r>
+            <a:r>
+              <a:rPr lang="ja-JP" altLang="en-US" i="0" dirty="0">
+                <a:solidFill>
+                  <a:schemeClr val="tx1"/>
+                </a:solidFill>
+                <a:latin typeface="BIZ UDP明朝 Medium" panose="02020500000000000000" pitchFamily="18" charset="-128"/>
+                <a:ea typeface="BIZ UDP明朝 Medium" panose="02020500000000000000" pitchFamily="18" charset="-128"/>
+              </a:rPr>
+              <a:t>の仕組みを理解する必要があります。</a:t>
             </a:r>
             <a:endParaRPr lang="en-US" altLang="ja-JP" i="0" dirty="0">
               <a:solidFill>
@@ -14843,7 +14888,47 @@
                 <a:latin typeface="BIZ UDP明朝 Medium" panose="02020500000000000000" pitchFamily="18" charset="-128"/>
                 <a:ea typeface="BIZ UDP明朝 Medium" panose="02020500000000000000" pitchFamily="18" charset="-128"/>
               </a:rPr>
-              <a:t>コマンドを使用してクローンを作成します。これをリポジトリをクローンするといいます。クローンしたリポジトリをローカルリポジトリといい、</a:t>
+              <a:t>コマンドを使用してクローンを作成します。これをリポジトリを</a:t>
+            </a:r>
+            <a:r>
+              <a:rPr lang="ja-JP" altLang="en-US" b="1" i="0" dirty="0">
+                <a:solidFill>
+                  <a:srgbClr val="F6882E"/>
+                </a:solidFill>
+                <a:latin typeface="BIZ UDP明朝 Medium" panose="02020500000000000000" pitchFamily="18" charset="-128"/>
+                <a:ea typeface="BIZ UDP明朝 Medium" panose="02020500000000000000" pitchFamily="18" charset="-128"/>
+              </a:rPr>
+              <a:t>クローンする</a:t>
+            </a:r>
+            <a:r>
+              <a:rPr lang="ja-JP" altLang="en-US" i="0" dirty="0">
+                <a:solidFill>
+                  <a:schemeClr val="tx1"/>
+                </a:solidFill>
+                <a:latin typeface="BIZ UDP明朝 Medium" panose="02020500000000000000" pitchFamily="18" charset="-128"/>
+                <a:ea typeface="BIZ UDP明朝 Medium" panose="02020500000000000000" pitchFamily="18" charset="-128"/>
+              </a:rPr>
+              <a:t>といいます。クローンしたリポジトリを</a:t>
+            </a:r>
+            <a:r>
+              <a:rPr lang="ja-JP" altLang="en-US" b="1" i="0" dirty="0">
+                <a:solidFill>
+                  <a:srgbClr val="F6882E"/>
+                </a:solidFill>
+                <a:latin typeface="BIZ UDP明朝 Medium" panose="02020500000000000000" pitchFamily="18" charset="-128"/>
+                <a:ea typeface="BIZ UDP明朝 Medium" panose="02020500000000000000" pitchFamily="18" charset="-128"/>
+              </a:rPr>
+              <a:t>ローカルリポジトリ</a:t>
+            </a:r>
+            <a:r>
+              <a:rPr lang="ja-JP" altLang="en-US" i="0" dirty="0">
+                <a:solidFill>
+                  <a:schemeClr val="tx1"/>
+                </a:solidFill>
+                <a:latin typeface="BIZ UDP明朝 Medium" panose="02020500000000000000" pitchFamily="18" charset="-128"/>
+                <a:ea typeface="BIZ UDP明朝 Medium" panose="02020500000000000000" pitchFamily="18" charset="-128"/>
+              </a:rPr>
+              <a:t>といい、</a:t>
             </a:r>
             <a:r>
               <a:rPr lang="en-US" altLang="ja-JP" i="0" dirty="0">
@@ -14863,7 +14948,27 @@
                 <a:latin typeface="BIZ UDP明朝 Medium" panose="02020500000000000000" pitchFamily="18" charset="-128"/>
                 <a:ea typeface="BIZ UDP明朝 Medium" panose="02020500000000000000" pitchFamily="18" charset="-128"/>
               </a:rPr>
-              <a:t>上のリポジトリをリモートリポジトリといいます。</a:t>
+              <a:t>上のリポジトリを</a:t>
+            </a:r>
+            <a:r>
+              <a:rPr lang="ja-JP" altLang="en-US" b="1" i="0" dirty="0">
+                <a:solidFill>
+                  <a:srgbClr val="F6882E"/>
+                </a:solidFill>
+                <a:latin typeface="BIZ UDP明朝 Medium" panose="02020500000000000000" pitchFamily="18" charset="-128"/>
+                <a:ea typeface="BIZ UDP明朝 Medium" panose="02020500000000000000" pitchFamily="18" charset="-128"/>
+              </a:rPr>
+              <a:t>リモートリポジトリ</a:t>
+            </a:r>
+            <a:r>
+              <a:rPr lang="ja-JP" altLang="en-US" i="0" dirty="0">
+                <a:solidFill>
+                  <a:schemeClr val="tx1"/>
+                </a:solidFill>
+                <a:latin typeface="BIZ UDP明朝 Medium" panose="02020500000000000000" pitchFamily="18" charset="-128"/>
+                <a:ea typeface="BIZ UDP明朝 Medium" panose="02020500000000000000" pitchFamily="18" charset="-128"/>
+              </a:rPr>
+              <a:t>といいます。</a:t>
             </a:r>
             <a:endParaRPr lang="en-US" altLang="ja-JP" i="0" dirty="0">
               <a:solidFill>
@@ -14903,7 +15008,27 @@
                 <a:latin typeface="BIZ UDP明朝 Medium" panose="02020500000000000000" pitchFamily="18" charset="-128"/>
                 <a:ea typeface="BIZ UDP明朝 Medium" panose="02020500000000000000" pitchFamily="18" charset="-128"/>
               </a:rPr>
-              <a:t>個配置します。その後、ローカルリポジトリをリモートリポジトリに結合します。そうすると、元々空だったリモートリポジトリが上書きされ、ローカルリポジトリのファイルが配置されます。これをプッシュするといいます。</a:t>
+              <a:t>個配置します。その後、ローカルリポジトリをリモートリポジトリに結合します。そうすると、元々空だったリモートリポジトリが上書きされ、ローカルリポジトリのファイルが配置されます。これを</a:t>
+            </a:r>
+            <a:r>
+              <a:rPr lang="ja-JP" altLang="en-US" b="1" i="0" dirty="0">
+                <a:solidFill>
+                  <a:srgbClr val="F6882E"/>
+                </a:solidFill>
+                <a:latin typeface="BIZ UDP明朝 Medium" panose="02020500000000000000" pitchFamily="18" charset="-128"/>
+                <a:ea typeface="BIZ UDP明朝 Medium" panose="02020500000000000000" pitchFamily="18" charset="-128"/>
+              </a:rPr>
+              <a:t>プッシュ</a:t>
+            </a:r>
+            <a:r>
+              <a:rPr lang="ja-JP" altLang="en-US" i="0" dirty="0">
+                <a:solidFill>
+                  <a:schemeClr val="tx1"/>
+                </a:solidFill>
+                <a:latin typeface="BIZ UDP明朝 Medium" panose="02020500000000000000" pitchFamily="18" charset="-128"/>
+                <a:ea typeface="BIZ UDP明朝 Medium" panose="02020500000000000000" pitchFamily="18" charset="-128"/>
+              </a:rPr>
+              <a:t>するといいます。</a:t>
             </a:r>
             <a:endParaRPr lang="en-US" altLang="ja-JP" i="0" dirty="0">
               <a:solidFill>
@@ -16253,19 +16378,89 @@
                 <a:latin typeface="BIZ UDP明朝 Medium" panose="02020500000000000000" pitchFamily="18" charset="-128"/>
                 <a:ea typeface="BIZ UDP明朝 Medium" panose="02020500000000000000" pitchFamily="18" charset="-128"/>
               </a:rPr>
-              <a:t>　ブランチは、</a:t>
-            </a:r>
-            <a:r>
-              <a:rPr lang="en-US" altLang="ja-JP" i="0" dirty="0">
+              <a:t>　</a:t>
+            </a:r>
+            <a:r>
+              <a:rPr lang="ja-JP" altLang="en-US" b="1" i="0" dirty="0">
+                <a:solidFill>
+                  <a:srgbClr val="F6882E"/>
+                </a:solidFill>
+                <a:latin typeface="BIZ UDP明朝 Medium" panose="02020500000000000000" pitchFamily="18" charset="-128"/>
+                <a:ea typeface="BIZ UDP明朝 Medium" panose="02020500000000000000" pitchFamily="18" charset="-128"/>
+              </a:rPr>
+              <a:t>ブランチ</a:t>
+            </a:r>
+            <a:r>
+              <a:rPr lang="ja-JP" altLang="en-US" i="0" dirty="0">
                 <a:solidFill>
                   <a:schemeClr val="tx1"/>
                 </a:solidFill>
                 <a:latin typeface="BIZ UDP明朝 Medium" panose="02020500000000000000" pitchFamily="18" charset="-128"/>
                 <a:ea typeface="BIZ UDP明朝 Medium" panose="02020500000000000000" pitchFamily="18" charset="-128"/>
               </a:rPr>
+              <a:t>は、</a:t>
+            </a:r>
+            <a:r>
+              <a:rPr lang="en-US" altLang="ja-JP" i="0" u="heavy" dirty="0">
+                <a:solidFill>
+                  <a:schemeClr val="tx1"/>
+                </a:solidFill>
+                <a:uFill>
+                  <a:solidFill>
+                    <a:srgbClr val="F6882E"/>
+                  </a:solidFill>
+                </a:uFill>
+                <a:latin typeface="BIZ UDP明朝 Medium" panose="02020500000000000000" pitchFamily="18" charset="-128"/>
+                <a:ea typeface="BIZ UDP明朝 Medium" panose="02020500000000000000" pitchFamily="18" charset="-128"/>
+              </a:rPr>
               <a:t>1</a:t>
             </a:r>
             <a:r>
+              <a:rPr lang="ja-JP" altLang="en-US" i="0" u="heavy" dirty="0">
+                <a:solidFill>
+                  <a:schemeClr val="tx1"/>
+                </a:solidFill>
+                <a:uFill>
+                  <a:solidFill>
+                    <a:srgbClr val="F6882E"/>
+                  </a:solidFill>
+                </a:uFill>
+                <a:latin typeface="BIZ UDP明朝 Medium" panose="02020500000000000000" pitchFamily="18" charset="-128"/>
+                <a:ea typeface="BIZ UDP明朝 Medium" panose="02020500000000000000" pitchFamily="18" charset="-128"/>
+              </a:rPr>
+              <a:t>つのリポジトリからブランチを枝分かれさせることで、本線に影響を与えることなく開発を行うことのできる</a:t>
+            </a:r>
+            <a:r>
+              <a:rPr lang="en-US" altLang="ja-JP" i="0" u="heavy" dirty="0">
+                <a:solidFill>
+                  <a:schemeClr val="tx1"/>
+                </a:solidFill>
+                <a:uFill>
+                  <a:solidFill>
+                    <a:srgbClr val="F6882E"/>
+                  </a:solidFill>
+                </a:uFill>
+                <a:latin typeface="BIZ UDP明朝 Medium" panose="02020500000000000000" pitchFamily="18" charset="-128"/>
+                <a:ea typeface="BIZ UDP明朝 Medium" panose="02020500000000000000" pitchFamily="18" charset="-128"/>
+              </a:rPr>
+              <a:t>GitHub</a:t>
+            </a:r>
+            <a:r>
+              <a:rPr lang="ja-JP" altLang="en-US" i="0" u="heavy" dirty="0">
+                <a:solidFill>
+                  <a:schemeClr val="tx1"/>
+                </a:solidFill>
+                <a:uFill>
+                  <a:solidFill>
+                    <a:srgbClr val="F6882E"/>
+                  </a:solidFill>
+                </a:uFill>
+                <a:latin typeface="BIZ UDP明朝 Medium" panose="02020500000000000000" pitchFamily="18" charset="-128"/>
+                <a:ea typeface="BIZ UDP明朝 Medium" panose="02020500000000000000" pitchFamily="18" charset="-128"/>
+              </a:rPr>
+              <a:t>の機能のこと</a:t>
+            </a:r>
+            <a:r>
               <a:rPr lang="ja-JP" altLang="en-US" i="0" dirty="0">
                 <a:solidFill>
                   <a:schemeClr val="tx1"/>
@@ -16273,27 +16468,7 @@
                 <a:latin typeface="BIZ UDP明朝 Medium" panose="02020500000000000000" pitchFamily="18" charset="-128"/>
                 <a:ea typeface="BIZ UDP明朝 Medium" panose="02020500000000000000" pitchFamily="18" charset="-128"/>
               </a:rPr>
-              <a:t>つのリポジトリからブランチを枝分かれさせることで、本線に影響を与えることなく開発を行うことのできる</a:t>
-            </a:r>
-            <a:r>
-              <a:rPr lang="en-US" altLang="ja-JP" i="0" dirty="0">
-                <a:solidFill>
-                  <a:schemeClr val="tx1"/>
-                </a:solidFill>
-                <a:latin typeface="BIZ UDP明朝 Medium" panose="02020500000000000000" pitchFamily="18" charset="-128"/>
-                <a:ea typeface="BIZ UDP明朝 Medium" panose="02020500000000000000" pitchFamily="18" charset="-128"/>
-              </a:rPr>
-              <a:t>GitHub</a:t>
-            </a:r>
-            <a:r>
-              <a:rPr lang="ja-JP" altLang="en-US" i="0" dirty="0">
-                <a:solidFill>
-                  <a:schemeClr val="tx1"/>
-                </a:solidFill>
-                <a:latin typeface="BIZ UDP明朝 Medium" panose="02020500000000000000" pitchFamily="18" charset="-128"/>
-                <a:ea typeface="BIZ UDP明朝 Medium" panose="02020500000000000000" pitchFamily="18" charset="-128"/>
-              </a:rPr>
-              <a:t>の機能のことを言います。</a:t>
+              <a:t>を言います。</a:t>
             </a:r>
             <a:endParaRPr lang="en-US" altLang="ja-JP" i="0" dirty="0">
               <a:solidFill>
@@ -16316,14 +16491,64 @@
               <a:t>　デフォルトでは、本線の</a:t>
             </a:r>
             <a:r>
-              <a:rPr lang="en-US" altLang="ja-JP" i="0" dirty="0">
+              <a:rPr lang="en-US" altLang="ja-JP" b="1" i="0" dirty="0">
+                <a:solidFill>
+                  <a:srgbClr val="F6882E"/>
+                </a:solidFill>
+                <a:latin typeface="BIZ UDP明朝 Medium" panose="02020500000000000000" pitchFamily="18" charset="-128"/>
+                <a:ea typeface="BIZ UDP明朝 Medium" panose="02020500000000000000" pitchFamily="18" charset="-128"/>
+              </a:rPr>
+              <a:t>main</a:t>
+            </a:r>
+            <a:r>
+              <a:rPr lang="ja-JP" altLang="en-US" b="1" i="0" dirty="0">
+                <a:solidFill>
+                  <a:srgbClr val="F6882E"/>
+                </a:solidFill>
+                <a:latin typeface="BIZ UDP明朝 Medium" panose="02020500000000000000" pitchFamily="18" charset="-128"/>
+                <a:ea typeface="BIZ UDP明朝 Medium" panose="02020500000000000000" pitchFamily="18" charset="-128"/>
+              </a:rPr>
+              <a:t>（</a:t>
+            </a:r>
+            <a:r>
+              <a:rPr lang="en-US" altLang="ja-JP" b="1" i="0" dirty="0">
+                <a:solidFill>
+                  <a:srgbClr val="F6882E"/>
+                </a:solidFill>
+                <a:latin typeface="BIZ UDP明朝 Medium" panose="02020500000000000000" pitchFamily="18" charset="-128"/>
+                <a:ea typeface="BIZ UDP明朝 Medium" panose="02020500000000000000" pitchFamily="18" charset="-128"/>
+              </a:rPr>
+              <a:t>master</a:t>
+            </a:r>
+            <a:r>
+              <a:rPr lang="ja-JP" altLang="en-US" b="1" i="0" dirty="0">
+                <a:solidFill>
+                  <a:srgbClr val="F6882E"/>
+                </a:solidFill>
+                <a:latin typeface="BIZ UDP明朝 Medium" panose="02020500000000000000" pitchFamily="18" charset="-128"/>
+                <a:ea typeface="BIZ UDP明朝 Medium" panose="02020500000000000000" pitchFamily="18" charset="-128"/>
+              </a:rPr>
+              <a:t>）ブランチ</a:t>
+            </a:r>
+            <a:r>
+              <a:rPr lang="ja-JP" altLang="en-US" i="0" dirty="0">
                 <a:solidFill>
                   <a:schemeClr val="tx1"/>
                 </a:solidFill>
                 <a:latin typeface="BIZ UDP明朝 Medium" panose="02020500000000000000" pitchFamily="18" charset="-128"/>
                 <a:ea typeface="BIZ UDP明朝 Medium" panose="02020500000000000000" pitchFamily="18" charset="-128"/>
               </a:rPr>
-              <a:t>main</a:t>
+              <a:t>に所属します。ブランチを作成することを</a:t>
+            </a:r>
+            <a:r>
+              <a:rPr lang="ja-JP" altLang="en-US" b="1" i="0" dirty="0">
+                <a:solidFill>
+                  <a:srgbClr val="F6882E"/>
+                </a:solidFill>
+                <a:latin typeface="BIZ UDP明朝 Medium" panose="02020500000000000000" pitchFamily="18" charset="-128"/>
+                <a:ea typeface="BIZ UDP明朝 Medium" panose="02020500000000000000" pitchFamily="18" charset="-128"/>
+              </a:rPr>
+              <a:t>ブランチを切る</a:t>
             </a:r>
             <a:r>
               <a:rPr lang="ja-JP" altLang="en-US" i="0" dirty="0">
@@ -16333,27 +16558,7 @@
                 <a:latin typeface="BIZ UDP明朝 Medium" panose="02020500000000000000" pitchFamily="18" charset="-128"/>
                 <a:ea typeface="BIZ UDP明朝 Medium" panose="02020500000000000000" pitchFamily="18" charset="-128"/>
               </a:rPr>
-              <a:t>（</a:t>
-            </a:r>
-            <a:r>
-              <a:rPr lang="en-US" altLang="ja-JP" i="0" dirty="0">
-                <a:solidFill>
-                  <a:schemeClr val="tx1"/>
-                </a:solidFill>
-                <a:latin typeface="BIZ UDP明朝 Medium" panose="02020500000000000000" pitchFamily="18" charset="-128"/>
-                <a:ea typeface="BIZ UDP明朝 Medium" panose="02020500000000000000" pitchFamily="18" charset="-128"/>
-              </a:rPr>
-              <a:t>master</a:t>
-            </a:r>
-            <a:r>
-              <a:rPr lang="ja-JP" altLang="en-US" i="0" dirty="0">
-                <a:solidFill>
-                  <a:schemeClr val="tx1"/>
-                </a:solidFill>
-                <a:latin typeface="BIZ UDP明朝 Medium" panose="02020500000000000000" pitchFamily="18" charset="-128"/>
-                <a:ea typeface="BIZ UDP明朝 Medium" panose="02020500000000000000" pitchFamily="18" charset="-128"/>
-              </a:rPr>
-              <a:t>）ブランチに所属します。ブランチを作成することをブランチを切ると表現します。</a:t>
+              <a:t>と表現します。</a:t>
             </a:r>
             <a:endParaRPr lang="en-US" altLang="ja-JP" i="0" dirty="0">
               <a:solidFill>
@@ -16473,7 +16678,27 @@
                 <a:latin typeface="BIZ UDP明朝 Medium" panose="02020500000000000000" pitchFamily="18" charset="-128"/>
                 <a:ea typeface="BIZ UDP明朝 Medium" panose="02020500000000000000" pitchFamily="18" charset="-128"/>
               </a:rPr>
-              <a:t>に結合することをマージするといいます。</a:t>
+              <a:t>に結合することを</a:t>
+            </a:r>
+            <a:r>
+              <a:rPr lang="ja-JP" altLang="en-US" b="1" i="0" dirty="0">
+                <a:solidFill>
+                  <a:srgbClr val="F6882E"/>
+                </a:solidFill>
+                <a:latin typeface="BIZ UDP明朝 Medium" panose="02020500000000000000" pitchFamily="18" charset="-128"/>
+                <a:ea typeface="BIZ UDP明朝 Medium" panose="02020500000000000000" pitchFamily="18" charset="-128"/>
+              </a:rPr>
+              <a:t>マージする</a:t>
+            </a:r>
+            <a:r>
+              <a:rPr lang="ja-JP" altLang="en-US" i="0" dirty="0">
+                <a:solidFill>
+                  <a:schemeClr val="tx1"/>
+                </a:solidFill>
+                <a:latin typeface="BIZ UDP明朝 Medium" panose="02020500000000000000" pitchFamily="18" charset="-128"/>
+                <a:ea typeface="BIZ UDP明朝 Medium" panose="02020500000000000000" pitchFamily="18" charset="-128"/>
+              </a:rPr>
+              <a:t>といいます。</a:t>
             </a:r>
             <a:endParaRPr lang="en-US" altLang="ja-JP" i="0" dirty="0">
               <a:solidFill>
@@ -22173,13 +22398,39 @@
               <a:t>　今回、作成する環境の構成図を</a:t>
             </a:r>
             <a:r>
+              <a:rPr lang="en-US" altLang="ja-JP" b="1" i="0" dirty="0">
+                <a:solidFill>
+                  <a:srgbClr val="F6882E"/>
+                </a:solidFill>
+                <a:latin typeface="BIZ UDP明朝 Medium" panose="02020500000000000000" pitchFamily="18" charset="-128"/>
+                <a:ea typeface="BIZ UDP明朝 Medium" panose="02020500000000000000" pitchFamily="18" charset="-128"/>
+                <a:hlinkClick r:id="rId2">
+                  <a:extLst>
+                    <a:ext uri="{A12FA001-AC4F-418D-AE19-62706E023703}">
+                      <ahyp:hlinkClr xmlns:ahyp="http://schemas.microsoft.com/office/drawing/2018/hyperlinkcolor" val="tx"/>
+                    </a:ext>
+                  </a:extLst>
+                </a:hlinkClick>
+              </a:rPr>
+              <a:t>draw.io</a:t>
+            </a:r>
+            <a:r>
+              <a:rPr lang="ja-JP" altLang="en-US" i="0" dirty="0">
+                <a:solidFill>
+                  <a:schemeClr val="tx1"/>
+                </a:solidFill>
+                <a:latin typeface="BIZ UDP明朝 Medium" panose="02020500000000000000" pitchFamily="18" charset="-128"/>
+                <a:ea typeface="BIZ UDP明朝 Medium" panose="02020500000000000000" pitchFamily="18" charset="-128"/>
+              </a:rPr>
+              <a:t>を使って、作成します。</a:t>
+            </a:r>
+            <a:r>
               <a:rPr lang="en-US" altLang="ja-JP" i="0" dirty="0">
                 <a:solidFill>
                   <a:schemeClr val="tx1"/>
                 </a:solidFill>
                 <a:latin typeface="BIZ UDP明朝 Medium" panose="02020500000000000000" pitchFamily="18" charset="-128"/>
                 <a:ea typeface="BIZ UDP明朝 Medium" panose="02020500000000000000" pitchFamily="18" charset="-128"/>
-                <a:hlinkClick r:id="rId2"/>
               </a:rPr>
               <a:t>draw.io</a:t>
             </a:r>
@@ -22191,17 +22442,37 @@
                 <a:latin typeface="BIZ UDP明朝 Medium" panose="02020500000000000000" pitchFamily="18" charset="-128"/>
                 <a:ea typeface="BIZ UDP明朝 Medium" panose="02020500000000000000" pitchFamily="18" charset="-128"/>
               </a:rPr>
-              <a:t>を使って、作成します。</a:t>
-            </a:r>
-            <a:r>
-              <a:rPr lang="en-US" altLang="ja-JP" i="0" dirty="0">
+              <a:t>は、</a:t>
+            </a:r>
+            <a:r>
+              <a:rPr lang="en-US" altLang="ja-JP" i="0" u="heavy" dirty="0">
                 <a:solidFill>
                   <a:schemeClr val="tx1"/>
                 </a:solidFill>
-                <a:latin typeface="BIZ UDP明朝 Medium" panose="02020500000000000000" pitchFamily="18" charset="-128"/>
-                <a:ea typeface="BIZ UDP明朝 Medium" panose="02020500000000000000" pitchFamily="18" charset="-128"/>
-              </a:rPr>
-              <a:t>draw.io</a:t>
+                <a:uFill>
+                  <a:solidFill>
+                    <a:srgbClr val="F6882E"/>
+                  </a:solidFill>
+                </a:uFill>
+                <a:latin typeface="BIZ UDP明朝 Medium" panose="02020500000000000000" pitchFamily="18" charset="-128"/>
+                <a:ea typeface="BIZ UDP明朝 Medium" panose="02020500000000000000" pitchFamily="18" charset="-128"/>
+              </a:rPr>
+              <a:t>AWS</a:t>
+            </a:r>
+            <a:r>
+              <a:rPr lang="ja-JP" altLang="en-US" i="0" u="heavy" dirty="0">
+                <a:solidFill>
+                  <a:schemeClr val="tx1"/>
+                </a:solidFill>
+                <a:uFill>
+                  <a:solidFill>
+                    <a:srgbClr val="F6882E"/>
+                  </a:solidFill>
+                </a:uFill>
+                <a:latin typeface="BIZ UDP明朝 Medium" panose="02020500000000000000" pitchFamily="18" charset="-128"/>
+                <a:ea typeface="BIZ UDP明朝 Medium" panose="02020500000000000000" pitchFamily="18" charset="-128"/>
+              </a:rPr>
+              <a:t>の構成図やオフィスのレイアウト図、ネットワーク図など様々な図を作成できる無料の作図ツール</a:t>
             </a:r>
             <a:r>
               <a:rPr lang="ja-JP" altLang="en-US" i="0" dirty="0">
@@ -22211,27 +22482,7 @@
                 <a:latin typeface="BIZ UDP明朝 Medium" panose="02020500000000000000" pitchFamily="18" charset="-128"/>
                 <a:ea typeface="BIZ UDP明朝 Medium" panose="02020500000000000000" pitchFamily="18" charset="-128"/>
               </a:rPr>
-              <a:t>は、</a:t>
-            </a:r>
-            <a:r>
-              <a:rPr lang="en-US" altLang="ja-JP" i="0" dirty="0">
-                <a:solidFill>
-                  <a:schemeClr val="tx1"/>
-                </a:solidFill>
-                <a:latin typeface="BIZ UDP明朝 Medium" panose="02020500000000000000" pitchFamily="18" charset="-128"/>
-                <a:ea typeface="BIZ UDP明朝 Medium" panose="02020500000000000000" pitchFamily="18" charset="-128"/>
-              </a:rPr>
-              <a:t>AWS</a:t>
-            </a:r>
-            <a:r>
-              <a:rPr lang="ja-JP" altLang="en-US" i="0" dirty="0">
-                <a:solidFill>
-                  <a:schemeClr val="tx1"/>
-                </a:solidFill>
-                <a:latin typeface="BIZ UDP明朝 Medium" panose="02020500000000000000" pitchFamily="18" charset="-128"/>
-                <a:ea typeface="BIZ UDP明朝 Medium" panose="02020500000000000000" pitchFamily="18" charset="-128"/>
-              </a:rPr>
-              <a:t>の構成図やオフィスのレイアウト図、ネットワーク図など様々な図を作成できる無料の作図ツールです。</a:t>
+              <a:t>です。</a:t>
             </a:r>
             <a:endParaRPr lang="en-US" altLang="ja-JP" i="0" dirty="0">
               <a:solidFill>
